--- a/presentations/Week2-1e Generate your own dataset (basic_gendataset).pptx
+++ b/presentations/Week2-1e Generate your own dataset (basic_gendataset).pptx
@@ -215,7 +215,7 @@
             <a:fld id="{E9CA654E-EBD9-4CE9-AAD0-9BCA047E2E1D}" type="datetimeFigureOut">
               <a:rPr lang="ko-KR" altLang="en-US" smtClean="0"/>
               <a:pPr/>
-              <a:t>2016. 6. 21.</a:t>
+              <a:t>2016. 6. 23.</a:t>
             </a:fld>
             <a:endParaRPr lang="ko-KR" altLang="en-US"/>
           </a:p>
@@ -595,7 +595,7 @@
                 <a:ea typeface="Meiryo UI" pitchFamily="34" charset="-128"/>
               </a:rPr>
               <a:pPr/>
-              <a:t>Tuesday, June 21, 2016</a:t>
+              <a:t>Thursday, June 23, 2016</a:t>
             </a:fld>
             <a:endParaRPr lang="ko-KR" altLang="en-US" dirty="0"/>
           </a:p>
@@ -727,7 +727,7 @@
             <a:fld id="{33A0F7CB-10CC-4FA0-AAB7-60557755851D}" type="datetime1">
               <a:rPr lang="ko-KR" altLang="en-US" smtClean="0"/>
               <a:pPr/>
-              <a:t>2016. 6. 21.</a:t>
+              <a:t>2016. 6. 23.</a:t>
             </a:fld>
             <a:endParaRPr lang="ko-KR" altLang="en-US"/>
           </a:p>
@@ -904,7 +904,7 @@
             <a:fld id="{2072E3B2-398D-43A2-9FF0-A5DC47D85F0F}" type="datetime1">
               <a:rPr lang="ko-KR" altLang="en-US" smtClean="0"/>
               <a:pPr/>
-              <a:t>2016. 6. 21.</a:t>
+              <a:t>2016. 6. 23.</a:t>
             </a:fld>
             <a:endParaRPr lang="ko-KR" altLang="en-US"/>
           </a:p>
@@ -1418,7 +1418,7 @@
             <a:fld id="{DAC76C8D-0C64-468D-9E07-BA112BE10A5A}" type="datetime1">
               <a:rPr lang="ko-KR" altLang="en-US" smtClean="0"/>
               <a:pPr/>
-              <a:t>2016. 6. 21.</a:t>
+              <a:t>2016. 6. 23.</a:t>
             </a:fld>
             <a:endParaRPr lang="ko-KR" altLang="en-US"/>
           </a:p>
@@ -1708,7 +1708,7 @@
             <a:fld id="{ABCA1450-90AE-4591-9DA4-2F2C0E29B421}" type="datetime1">
               <a:rPr lang="ko-KR" altLang="en-US" smtClean="0"/>
               <a:pPr/>
-              <a:t>2016. 6. 21.</a:t>
+              <a:t>2016. 6. 23.</a:t>
             </a:fld>
             <a:endParaRPr lang="ko-KR" altLang="en-US"/>
           </a:p>
@@ -2134,7 +2134,7 @@
             <a:fld id="{3170F9C2-910D-48E9-A1D4-06EE9E8CCF11}" type="datetime1">
               <a:rPr lang="ko-KR" altLang="en-US" smtClean="0"/>
               <a:pPr/>
-              <a:t>2016. 6. 21.</a:t>
+              <a:t>2016. 6. 23.</a:t>
             </a:fld>
             <a:endParaRPr lang="ko-KR" altLang="en-US"/>
           </a:p>
@@ -2421,7 +2421,7 @@
             <a:fld id="{0A2BF0E3-3B49-48EE-8E65-6F6B7B05A3E6}" type="datetime1">
               <a:rPr lang="ko-KR" altLang="en-US" smtClean="0"/>
               <a:pPr/>
-              <a:t>2016. 6. 21.</a:t>
+              <a:t>2016. 6. 23.</a:t>
             </a:fld>
             <a:endParaRPr lang="ko-KR" altLang="en-US"/>
           </a:p>
@@ -2695,7 +2695,7 @@
             <a:fld id="{D56EDD30-A8D5-4E8F-A388-D7F8914E7797}" type="datetime1">
               <a:rPr lang="ko-KR" altLang="en-US" smtClean="0"/>
               <a:pPr/>
-              <a:t>2016. 6. 21.</a:t>
+              <a:t>2016. 6. 23.</a:t>
             </a:fld>
             <a:endParaRPr lang="ko-KR" altLang="en-US"/>
           </a:p>
@@ -2945,7 +2945,7 @@
             <a:fld id="{BA001FBA-5EDF-4611-9FD5-552C72983771}" type="datetime1">
               <a:rPr lang="ko-KR" altLang="en-US" smtClean="0"/>
               <a:pPr/>
-              <a:t>2016. 6. 21.</a:t>
+              <a:t>2016. 6. 23.</a:t>
             </a:fld>
             <a:endParaRPr lang="ko-KR" altLang="en-US"/>
           </a:p>
@@ -3155,7 +3155,7 @@
             <a:fld id="{1E3DD4C6-1DC2-4462-9A2C-36CF4FD257E7}" type="datetime1">
               <a:rPr lang="ko-KR" altLang="en-US" smtClean="0"/>
               <a:pPr/>
-              <a:t>2016. 6. 21.</a:t>
+              <a:t>2016. 6. 23.</a:t>
             </a:fld>
             <a:endParaRPr lang="ko-KR" altLang="en-US"/>
           </a:p>
@@ -4057,6 +4057,171 @@
           </a:prstGeom>
         </p:spPr>
       </p:pic>
+      <p:sp>
+        <p:nvSpPr>
+          <p:cNvPr id="2" name="직사각형 1"/>
+          <p:cNvSpPr/>
+          <p:nvPr/>
+        </p:nvSpPr>
+        <p:spPr>
+          <a:xfrm>
+            <a:off x="1403648" y="2132856"/>
+            <a:ext cx="4464496" cy="216024"/>
+          </a:xfrm>
+          <a:prstGeom prst="rect">
+            <a:avLst/>
+          </a:prstGeom>
+          <a:noFill/>
+          <a:ln w="28575">
+            <a:solidFill>
+              <a:srgbClr val="FF0000"/>
+            </a:solidFill>
+          </a:ln>
+        </p:spPr>
+        <p:style>
+          <a:lnRef idx="2">
+            <a:schemeClr val="accent1">
+              <a:shade val="50000"/>
+            </a:schemeClr>
+          </a:lnRef>
+          <a:fillRef idx="1">
+            <a:schemeClr val="accent1"/>
+          </a:fillRef>
+          <a:effectRef idx="0">
+            <a:schemeClr val="accent1"/>
+          </a:effectRef>
+          <a:fontRef idx="minor">
+            <a:schemeClr val="lt1"/>
+          </a:fontRef>
+        </p:style>
+        <p:txBody>
+          <a:bodyPr rot="0" spcFirstLastPara="0" vertOverflow="overflow" horzOverflow="overflow" vert="horz" wrap="square" lIns="91440" tIns="45720" rIns="91440" bIns="45720" numCol="1" spcCol="0" rtlCol="0" fromWordArt="0" anchor="ctr" anchorCtr="0" forceAA="0" compatLnSpc="1">
+            <a:prstTxWarp prst="textNoShape">
+              <a:avLst/>
+            </a:prstTxWarp>
+            <a:noAutofit/>
+          </a:bodyPr>
+          <a:lstStyle/>
+          <a:p>
+            <a:pPr algn="ctr"/>
+            <a:endParaRPr kumimoji="1" lang="ko-KR" altLang="en-US" dirty="0" smtClean="0">
+              <a:solidFill>
+                <a:schemeClr val="tx1"/>
+              </a:solidFill>
+            </a:endParaRPr>
+          </a:p>
+        </p:txBody>
+      </p:sp>
+      <p:sp>
+        <p:nvSpPr>
+          <p:cNvPr id="6" name="직사각형 5"/>
+          <p:cNvSpPr/>
+          <p:nvPr/>
+        </p:nvSpPr>
+        <p:spPr>
+          <a:xfrm>
+            <a:off x="1691680" y="2996952"/>
+            <a:ext cx="2520280" cy="216024"/>
+          </a:xfrm>
+          <a:prstGeom prst="rect">
+            <a:avLst/>
+          </a:prstGeom>
+          <a:noFill/>
+          <a:ln w="28575">
+            <a:solidFill>
+              <a:srgbClr val="FF0000"/>
+            </a:solidFill>
+          </a:ln>
+        </p:spPr>
+        <p:style>
+          <a:lnRef idx="2">
+            <a:schemeClr val="accent1">
+              <a:shade val="50000"/>
+            </a:schemeClr>
+          </a:lnRef>
+          <a:fillRef idx="1">
+            <a:schemeClr val="accent1"/>
+          </a:fillRef>
+          <a:effectRef idx="0">
+            <a:schemeClr val="accent1"/>
+          </a:effectRef>
+          <a:fontRef idx="minor">
+            <a:schemeClr val="lt1"/>
+          </a:fontRef>
+        </p:style>
+        <p:txBody>
+          <a:bodyPr rot="0" spcFirstLastPara="0" vertOverflow="overflow" horzOverflow="overflow" vert="horz" wrap="square" lIns="91440" tIns="45720" rIns="91440" bIns="45720" numCol="1" spcCol="0" rtlCol="0" fromWordArt="0" anchor="ctr" anchorCtr="0" forceAA="0" compatLnSpc="1">
+            <a:prstTxWarp prst="textNoShape">
+              <a:avLst/>
+            </a:prstTxWarp>
+            <a:noAutofit/>
+          </a:bodyPr>
+          <a:lstStyle/>
+          <a:p>
+            <a:pPr algn="ctr"/>
+            <a:endParaRPr kumimoji="1" lang="ko-KR" altLang="en-US" dirty="0" smtClean="0">
+              <a:solidFill>
+                <a:schemeClr val="tx1"/>
+              </a:solidFill>
+            </a:endParaRPr>
+          </a:p>
+        </p:txBody>
+      </p:sp>
+      <p:sp>
+        <p:nvSpPr>
+          <p:cNvPr id="7" name="직사각형 6"/>
+          <p:cNvSpPr/>
+          <p:nvPr/>
+        </p:nvSpPr>
+        <p:spPr>
+          <a:xfrm>
+            <a:off x="1667617" y="4941168"/>
+            <a:ext cx="1368152" cy="216024"/>
+          </a:xfrm>
+          <a:prstGeom prst="rect">
+            <a:avLst/>
+          </a:prstGeom>
+          <a:noFill/>
+          <a:ln w="28575">
+            <a:solidFill>
+              <a:srgbClr val="FF0000"/>
+            </a:solidFill>
+          </a:ln>
+        </p:spPr>
+        <p:style>
+          <a:lnRef idx="2">
+            <a:schemeClr val="accent1">
+              <a:shade val="50000"/>
+            </a:schemeClr>
+          </a:lnRef>
+          <a:fillRef idx="1">
+            <a:schemeClr val="accent1"/>
+          </a:fillRef>
+          <a:effectRef idx="0">
+            <a:schemeClr val="accent1"/>
+          </a:effectRef>
+          <a:fontRef idx="minor">
+            <a:schemeClr val="lt1"/>
+          </a:fontRef>
+        </p:style>
+        <p:txBody>
+          <a:bodyPr rot="0" spcFirstLastPara="0" vertOverflow="overflow" horzOverflow="overflow" vert="horz" wrap="square" lIns="91440" tIns="45720" rIns="91440" bIns="45720" numCol="1" spcCol="0" rtlCol="0" fromWordArt="0" anchor="ctr" anchorCtr="0" forceAA="0" compatLnSpc="1">
+            <a:prstTxWarp prst="textNoShape">
+              <a:avLst/>
+            </a:prstTxWarp>
+            <a:noAutofit/>
+          </a:bodyPr>
+          <a:lstStyle/>
+          <a:p>
+            <a:pPr algn="ctr"/>
+            <a:endParaRPr kumimoji="1" lang="ko-KR" altLang="en-US" dirty="0" smtClean="0">
+              <a:solidFill>
+                <a:schemeClr val="tx1"/>
+              </a:solidFill>
+            </a:endParaRPr>
+          </a:p>
+        </p:txBody>
+      </p:sp>
     </p:spTree>
     <p:extLst>
       <p:ext uri="{BB962C8B-B14F-4D97-AF65-F5344CB8AC3E}">
@@ -4128,6 +4293,165 @@
                       </p:childTnLst>
                     </p:cTn>
                   </p:par>
+                  <p:par>
+                    <p:cTn id="8" fill="hold">
+                      <p:stCondLst>
+                        <p:cond delay="indefinite"/>
+                      </p:stCondLst>
+                      <p:childTnLst>
+                        <p:par>
+                          <p:cTn id="9" fill="hold">
+                            <p:stCondLst>
+                              <p:cond delay="0"/>
+                            </p:stCondLst>
+                            <p:childTnLst>
+                              <p:par>
+                                <p:cTn id="10" presetID="3" presetClass="entr" presetSubtype="10" fill="hold" grpId="0" nodeType="clickEffect">
+                                  <p:stCondLst>
+                                    <p:cond delay="0"/>
+                                  </p:stCondLst>
+                                  <p:childTnLst>
+                                    <p:set>
+                                      <p:cBhvr>
+                                        <p:cTn id="11" dur="1" fill="hold">
+                                          <p:stCondLst>
+                                            <p:cond delay="0"/>
+                                          </p:stCondLst>
+                                        </p:cTn>
+                                        <p:tgtEl>
+                                          <p:spTgt spid="2"/>
+                                        </p:tgtEl>
+                                        <p:attrNameLst>
+                                          <p:attrName>style.visibility</p:attrName>
+                                        </p:attrNameLst>
+                                      </p:cBhvr>
+                                      <p:to>
+                                        <p:strVal val="visible"/>
+                                      </p:to>
+                                    </p:set>
+                                    <p:animEffect transition="in" filter="blinds(horizontal)">
+                                      <p:cBhvr>
+                                        <p:cTn id="12" dur="500"/>
+                                        <p:tgtEl>
+                                          <p:spTgt spid="2"/>
+                                        </p:tgtEl>
+                                      </p:cBhvr>
+                                    </p:animEffect>
+                                  </p:childTnLst>
+                                </p:cTn>
+                              </p:par>
+                            </p:childTnLst>
+                          </p:cTn>
+                        </p:par>
+                      </p:childTnLst>
+                    </p:cTn>
+                  </p:par>
+                  <p:par>
+                    <p:cTn id="13" fill="hold">
+                      <p:stCondLst>
+                        <p:cond delay="indefinite"/>
+                      </p:stCondLst>
+                      <p:childTnLst>
+                        <p:par>
+                          <p:cTn id="14" fill="hold">
+                            <p:stCondLst>
+                              <p:cond delay="0"/>
+                            </p:stCondLst>
+                            <p:childTnLst>
+                              <p:par>
+                                <p:cTn id="15" presetID="3" presetClass="entr" presetSubtype="10" fill="hold" grpId="0" nodeType="clickEffect">
+                                  <p:stCondLst>
+                                    <p:cond delay="0"/>
+                                  </p:stCondLst>
+                                  <p:childTnLst>
+                                    <p:set>
+                                      <p:cBhvr>
+                                        <p:cTn id="16" dur="1" fill="hold">
+                                          <p:stCondLst>
+                                            <p:cond delay="0"/>
+                                          </p:stCondLst>
+                                        </p:cTn>
+                                        <p:tgtEl>
+                                          <p:spTgt spid="6"/>
+                                        </p:tgtEl>
+                                        <p:attrNameLst>
+                                          <p:attrName>style.visibility</p:attrName>
+                                        </p:attrNameLst>
+                                      </p:cBhvr>
+                                      <p:to>
+                                        <p:strVal val="visible"/>
+                                      </p:to>
+                                    </p:set>
+                                    <p:animEffect transition="in" filter="blinds(horizontal)">
+                                      <p:cBhvr>
+                                        <p:cTn id="17" dur="500"/>
+                                        <p:tgtEl>
+                                          <p:spTgt spid="6"/>
+                                        </p:tgtEl>
+                                      </p:cBhvr>
+                                    </p:animEffect>
+                                  </p:childTnLst>
+                                </p:cTn>
+                              </p:par>
+                            </p:childTnLst>
+                          </p:cTn>
+                        </p:par>
+                      </p:childTnLst>
+                    </p:cTn>
+                  </p:par>
+                  <p:par>
+                    <p:cTn id="18" fill="hold">
+                      <p:stCondLst>
+                        <p:cond delay="indefinite"/>
+                      </p:stCondLst>
+                      <p:childTnLst>
+                        <p:par>
+                          <p:cTn id="19" fill="hold">
+                            <p:stCondLst>
+                              <p:cond delay="0"/>
+                            </p:stCondLst>
+                            <p:childTnLst>
+                              <p:par>
+                                <p:cTn id="20" presetID="3" presetClass="entr" presetSubtype="10" fill="hold" grpId="0" nodeType="clickEffect">
+                                  <p:stCondLst>
+                                    <p:cond delay="0"/>
+                                  </p:stCondLst>
+                                  <p:childTnLst>
+                                    <p:set>
+                                      <p:cBhvr>
+                                        <p:cTn id="21" dur="1" fill="hold">
+                                          <p:stCondLst>
+                                            <p:cond delay="0"/>
+                                          </p:stCondLst>
+                                        </p:cTn>
+                                        <p:tgtEl>
+                                          <p:spTgt spid="7"/>
+                                        </p:tgtEl>
+                                        <p:attrNameLst>
+                                          <p:attrName>style.visibility</p:attrName>
+                                        </p:attrNameLst>
+                                      </p:cBhvr>
+                                      <p:to>
+                                        <p:strVal val="visible"/>
+                                      </p:to>
+                                    </p:set>
+                                    <p:animEffect transition="in" filter="blinds(horizontal)">
+                                      <p:cBhvr>
+                                        <p:cTn id="22" dur="500"/>
+                                        <p:tgtEl>
+                                          <p:spTgt spid="7"/>
+                                        </p:tgtEl>
+                                      </p:cBhvr>
+                                    </p:animEffect>
+                                  </p:childTnLst>
+                                </p:cTn>
+                              </p:par>
+                            </p:childTnLst>
+                          </p:cTn>
+                        </p:par>
+                      </p:childTnLst>
+                    </p:cTn>
+                  </p:par>
                 </p:childTnLst>
               </p:cTn>
               <p:prevCondLst>
@@ -4149,6 +4473,11 @@
         </p:cTn>
       </p:par>
     </p:tnLst>
+    <p:bldLst>
+      <p:bldP spid="2" grpId="0" animBg="1"/>
+      <p:bldP spid="6" grpId="0" animBg="1"/>
+      <p:bldP spid="7" grpId="0" animBg="1"/>
+    </p:bldLst>
   </p:timing>
 </p:sld>
 </file>
